--- a/24. Arquitetura de Sistema.pptx
+++ b/24. Arquitetura de Sistema.pptx
@@ -4211,8 +4211,8 @@
         </p:nvSpPr>
         <p:spPr>
           <a:xfrm>
-            <a:off x="6493817" y="3775025"/>
-            <a:ext cx="1375356" cy="600163"/>
+            <a:off x="6493816" y="3775025"/>
+            <a:ext cx="1385769" cy="768380"/>
           </a:xfrm>
           <a:prstGeom prst="rect">
             <a:avLst/>
@@ -4263,8 +4263,8 @@
         </p:nvSpPr>
         <p:spPr>
           <a:xfrm>
-            <a:off x="6451330" y="3800440"/>
-            <a:ext cx="1411806" cy="600164"/>
+            <a:off x="6451330" y="3800441"/>
+            <a:ext cx="1385781" cy="769441"/>
           </a:xfrm>
           <a:prstGeom prst="rect">
             <a:avLst/>
@@ -4279,7 +4279,7 @@
           <a:p>
             <a:r>
               <a:rPr lang="pt-BR" sz="1100" dirty="0"/>
-              <a:t>Subsistema de Finalização do Pedido (carrinho de compra)</a:t>
+              <a:t>Subsistema de confirmação do pedido (carrinho de compra)</a:t>
             </a:r>
           </a:p>
         </p:txBody>
@@ -5699,7 +5699,7 @@
         </p:nvSpPr>
         <p:spPr>
           <a:xfrm>
-            <a:off x="4427022" y="1743016"/>
+            <a:off x="4368354" y="1743016"/>
             <a:ext cx="1411806" cy="230832"/>
           </a:xfrm>
           <a:prstGeom prst="rect">
@@ -5715,7 +5715,7 @@
           <a:p>
             <a:r>
               <a:rPr lang="pt-BR" sz="900" dirty="0"/>
-              <a:t>Manter Cadastros</a:t>
+              <a:t>Manter cadastros</a:t>
             </a:r>
           </a:p>
         </p:txBody>
